--- a/Tarefa_01/Suporte/ACA_Tarefa_01.pptx
+++ b/Tarefa_01/Suporte/ACA_Tarefa_01.pptx
@@ -111,6 +111,11 @@
       </a:defRPr>
     </a:lvl9pPr>
   </p:defaultTextStyle>
+  <p:extLst>
+    <p:ext uri="{EFAFB233-063F-42B5-8137-9DF3F51BA10A}">
+      <p15:sldGuideLst xmlns:p15="http://schemas.microsoft.com/office/powerpoint/2012/main"/>
+    </p:ext>
+  </p:extLst>
 </p:presentation>
 </file>
 
@@ -3980,7 +3985,7 @@
         </p:nvPicPr>
         <p:blipFill rotWithShape="1">
           <a:blip r:embed="rId2"/>
-          <a:srcRect t="2336" r="-1" b="8620"/>
+          <a:srcRect l="-6365" t="102" r="-6365" b="-482"/>
           <a:stretch/>
         </p:blipFill>
         <p:spPr>
@@ -4209,8 +4214,8 @@
           <a:chExt cx="0" cy="0"/>
         </a:xfrm>
       </p:grpSpPr>
-      <mc:AlternateContent xmlns:mc="http://schemas.openxmlformats.org/markup-compatibility/2006">
-        <mc:Choice xmlns:a14="http://schemas.microsoft.com/office/drawing/2010/main" Requires="a14">
+      <mc:AlternateContent xmlns:mc="http://schemas.openxmlformats.org/markup-compatibility/2006" xmlns:a14="http://schemas.microsoft.com/office/drawing/2010/main">
+        <mc:Choice Requires="a14">
           <p:sp>
             <p:nvSpPr>
               <p:cNvPr id="2" name="Título 1">
@@ -4261,7 +4266,7 @@
             </p:txBody>
           </p:sp>
         </mc:Choice>
-        <mc:Fallback>
+        <mc:Fallback xmlns="">
           <p:sp>
             <p:nvSpPr>
               <p:cNvPr id="2" name="Título 1">
@@ -4498,8 +4503,8 @@
           </a:fontRef>
         </p:style>
       </p:cxnSp>
-      <mc:AlternateContent xmlns:mc="http://schemas.openxmlformats.org/markup-compatibility/2006">
-        <mc:Choice xmlns:a14="http://schemas.microsoft.com/office/drawing/2010/main" Requires="a14">
+      <mc:AlternateContent xmlns:mc="http://schemas.openxmlformats.org/markup-compatibility/2006" xmlns:a14="http://schemas.microsoft.com/office/drawing/2010/main">
+        <mc:Choice Requires="a14">
           <p:sp>
             <p:nvSpPr>
               <p:cNvPr id="11" name="CaixaDeTexto 10">
@@ -4528,6 +4533,7 @@
               </a:bodyPr>
               <a:lstStyle/>
               <a:p>
+                <a:pPr/>
                 <a14:m>
                   <m:oMathPara xmlns:m="http://schemas.openxmlformats.org/officeDocument/2006/math">
                     <m:oMathParaPr>
@@ -4575,7 +4581,7 @@
             </p:txBody>
           </p:sp>
         </mc:Choice>
-        <mc:Fallback>
+        <mc:Fallback xmlns="">
           <p:sp>
             <p:nvSpPr>
               <p:cNvPr id="11" name="CaixaDeTexto 10">
@@ -5962,8 +5968,8 @@
           </a:p>
         </p:txBody>
       </p:sp>
-      <mc:AlternateContent xmlns:mc="http://schemas.openxmlformats.org/markup-compatibility/2006">
-        <mc:Choice xmlns:a14="http://schemas.microsoft.com/office/drawing/2010/main" Requires="a14">
+      <mc:AlternateContent xmlns:mc="http://schemas.openxmlformats.org/markup-compatibility/2006" xmlns:a14="http://schemas.microsoft.com/office/drawing/2010/main">
+        <mc:Choice Requires="a14">
           <p:sp>
             <p:nvSpPr>
               <p:cNvPr id="19" name="CaixaDeTexto 18">
@@ -5992,6 +5998,7 @@
               </a:bodyPr>
               <a:lstStyle/>
               <a:p>
+                <a:pPr/>
                 <a14:m>
                   <m:oMathPara xmlns:m="http://schemas.openxmlformats.org/officeDocument/2006/math">
                     <m:oMathParaPr>
@@ -6017,7 +6024,7 @@
             </p:txBody>
           </p:sp>
         </mc:Choice>
-        <mc:Fallback>
+        <mc:Fallback xmlns="">
           <p:sp>
             <p:nvSpPr>
               <p:cNvPr id="19" name="CaixaDeTexto 18">
@@ -6346,8 +6353,8 @@
           <a:chExt cx="0" cy="0"/>
         </a:xfrm>
       </p:grpSpPr>
-      <mc:AlternateContent xmlns:mc="http://schemas.openxmlformats.org/markup-compatibility/2006">
-        <mc:Choice xmlns:a14="http://schemas.microsoft.com/office/drawing/2010/main" Requires="a14">
+      <mc:AlternateContent xmlns:mc="http://schemas.openxmlformats.org/markup-compatibility/2006" xmlns:a14="http://schemas.microsoft.com/office/drawing/2010/main">
+        <mc:Choice Requires="a14">
           <p:sp>
             <p:nvSpPr>
               <p:cNvPr id="2" name="Título 1">
@@ -6398,7 +6405,7 @@
             </p:txBody>
           </p:sp>
         </mc:Choice>
-        <mc:Fallback>
+        <mc:Fallback xmlns="">
           <p:sp>
             <p:nvSpPr>
               <p:cNvPr id="2" name="Título 1">
@@ -7800,8 +7807,8 @@
           </a:fontRef>
         </p:style>
       </p:cxnSp>
-      <mc:AlternateContent xmlns:mc="http://schemas.openxmlformats.org/markup-compatibility/2006">
-        <mc:Choice xmlns:a14="http://schemas.microsoft.com/office/drawing/2010/main" Requires="a14">
+      <mc:AlternateContent xmlns:mc="http://schemas.openxmlformats.org/markup-compatibility/2006" xmlns:a14="http://schemas.microsoft.com/office/drawing/2010/main">
+        <mc:Choice Requires="a14">
           <p:sp>
             <p:nvSpPr>
               <p:cNvPr id="11" name="CaixaDeTexto 10">
@@ -7830,6 +7837,7 @@
               </a:bodyPr>
               <a:lstStyle/>
               <a:p>
+                <a:pPr/>
                 <a14:m>
                   <m:oMathPara xmlns:m="http://schemas.openxmlformats.org/officeDocument/2006/math">
                     <m:oMathParaPr>
@@ -7859,7 +7867,7 @@
             </p:txBody>
           </p:sp>
         </mc:Choice>
-        <mc:Fallback>
+        <mc:Fallback xmlns="">
           <p:sp>
             <p:nvSpPr>
               <p:cNvPr id="11" name="CaixaDeTexto 10">
@@ -8155,8 +8163,8 @@
           </a:fontRef>
         </p:style>
       </p:cxnSp>
-      <mc:AlternateContent xmlns:mc="http://schemas.openxmlformats.org/markup-compatibility/2006">
-        <mc:Choice xmlns:a14="http://schemas.microsoft.com/office/drawing/2010/main" Requires="a14">
+      <mc:AlternateContent xmlns:mc="http://schemas.openxmlformats.org/markup-compatibility/2006" xmlns:a14="http://schemas.microsoft.com/office/drawing/2010/main">
+        <mc:Choice Requires="a14">
           <p:sp>
             <p:nvSpPr>
               <p:cNvPr id="17" name="CaixaDeTexto 16">
@@ -8185,6 +8193,7 @@
               </a:bodyPr>
               <a:lstStyle/>
               <a:p>
+                <a:pPr/>
                 <a14:m>
                   <m:oMathPara xmlns:m="http://schemas.openxmlformats.org/officeDocument/2006/math">
                     <m:oMathParaPr>
@@ -8214,7 +8223,7 @@
             </p:txBody>
           </p:sp>
         </mc:Choice>
-        <mc:Fallback>
+        <mc:Fallback xmlns="">
           <p:sp>
             <p:nvSpPr>
               <p:cNvPr id="17" name="CaixaDeTexto 16">
@@ -8259,8 +8268,8 @@
           </p:sp>
         </mc:Fallback>
       </mc:AlternateContent>
-      <mc:AlternateContent xmlns:mc="http://schemas.openxmlformats.org/markup-compatibility/2006">
-        <mc:Choice xmlns:a14="http://schemas.microsoft.com/office/drawing/2010/main" Requires="a14">
+      <mc:AlternateContent xmlns:mc="http://schemas.openxmlformats.org/markup-compatibility/2006" xmlns:a14="http://schemas.microsoft.com/office/drawing/2010/main">
+        <mc:Choice Requires="a14">
           <p:sp>
             <p:nvSpPr>
               <p:cNvPr id="18" name="CaixaDeTexto 17">
@@ -8289,6 +8298,7 @@
               </a:bodyPr>
               <a:lstStyle/>
               <a:p>
+                <a:pPr/>
                 <a14:m>
                   <m:oMathPara xmlns:m="http://schemas.openxmlformats.org/officeDocument/2006/math">
                     <m:oMathParaPr>
@@ -8318,7 +8328,7 @@
             </p:txBody>
           </p:sp>
         </mc:Choice>
-        <mc:Fallback>
+        <mc:Fallback xmlns="">
           <p:sp>
             <p:nvSpPr>
               <p:cNvPr id="18" name="CaixaDeTexto 17">
@@ -8563,8 +8573,8 @@
           </a:p>
         </p:txBody>
       </p:sp>
-      <mc:AlternateContent xmlns:mc="http://schemas.openxmlformats.org/markup-compatibility/2006">
-        <mc:Choice xmlns:a14="http://schemas.microsoft.com/office/drawing/2010/main" Requires="a14">
+      <mc:AlternateContent xmlns:mc="http://schemas.openxmlformats.org/markup-compatibility/2006" xmlns:a14="http://schemas.microsoft.com/office/drawing/2010/main">
+        <mc:Choice Requires="a14">
           <p:sp>
             <p:nvSpPr>
               <p:cNvPr id="35" name="CaixaDeTexto 34">
@@ -8593,6 +8603,7 @@
               </a:bodyPr>
               <a:lstStyle/>
               <a:p>
+                <a:pPr/>
                 <a14:m>
                   <m:oMathPara xmlns:m="http://schemas.openxmlformats.org/officeDocument/2006/math">
                     <m:oMathParaPr>
@@ -8624,7 +8635,7 @@
             </p:txBody>
           </p:sp>
         </mc:Choice>
-        <mc:Fallback>
+        <mc:Fallback xmlns="">
           <p:sp>
             <p:nvSpPr>
               <p:cNvPr id="35" name="CaixaDeTexto 34">
@@ -8669,8 +8680,8 @@
           </p:sp>
         </mc:Fallback>
       </mc:AlternateContent>
-      <mc:AlternateContent xmlns:mc="http://schemas.openxmlformats.org/markup-compatibility/2006">
-        <mc:Choice xmlns:a14="http://schemas.microsoft.com/office/drawing/2010/main" Requires="a14">
+      <mc:AlternateContent xmlns:mc="http://schemas.openxmlformats.org/markup-compatibility/2006" xmlns:a14="http://schemas.microsoft.com/office/drawing/2010/main">
+        <mc:Choice Requires="a14">
           <p:sp>
             <p:nvSpPr>
               <p:cNvPr id="36" name="CaixaDeTexto 35">
@@ -8699,6 +8710,7 @@
               </a:bodyPr>
               <a:lstStyle/>
               <a:p>
+                <a:pPr/>
                 <a14:m>
                   <m:oMathPara xmlns:m="http://schemas.openxmlformats.org/officeDocument/2006/math">
                     <m:oMathParaPr>
@@ -8752,7 +8764,7 @@
             </p:txBody>
           </p:sp>
         </mc:Choice>
-        <mc:Fallback>
+        <mc:Fallback xmlns="">
           <p:sp>
             <p:nvSpPr>
               <p:cNvPr id="36" name="CaixaDeTexto 35">
@@ -8797,8 +8809,8 @@
           </p:sp>
         </mc:Fallback>
       </mc:AlternateContent>
-      <mc:AlternateContent xmlns:mc="http://schemas.openxmlformats.org/markup-compatibility/2006">
-        <mc:Choice xmlns:a14="http://schemas.microsoft.com/office/drawing/2010/main" Requires="a14">
+      <mc:AlternateContent xmlns:mc="http://schemas.openxmlformats.org/markup-compatibility/2006" xmlns:a14="http://schemas.microsoft.com/office/drawing/2010/main">
+        <mc:Choice Requires="a14">
           <p:sp>
             <p:nvSpPr>
               <p:cNvPr id="37" name="CaixaDeTexto 36">
@@ -8827,6 +8839,7 @@
               </a:bodyPr>
               <a:lstStyle/>
               <a:p>
+                <a:pPr/>
                 <a14:m>
                   <m:oMathPara xmlns:m="http://schemas.openxmlformats.org/officeDocument/2006/math">
                     <m:oMathParaPr>
@@ -8858,7 +8871,7 @@
             </p:txBody>
           </p:sp>
         </mc:Choice>
-        <mc:Fallback>
+        <mc:Fallback xmlns="">
           <p:sp>
             <p:nvSpPr>
               <p:cNvPr id="37" name="CaixaDeTexto 36">
@@ -8903,8 +8916,8 @@
           </p:sp>
         </mc:Fallback>
       </mc:AlternateContent>
-      <mc:AlternateContent xmlns:mc="http://schemas.openxmlformats.org/markup-compatibility/2006">
-        <mc:Choice xmlns:a14="http://schemas.microsoft.com/office/drawing/2010/main" Requires="a14">
+      <mc:AlternateContent xmlns:mc="http://schemas.openxmlformats.org/markup-compatibility/2006" xmlns:a14="http://schemas.microsoft.com/office/drawing/2010/main">
+        <mc:Choice Requires="a14">
           <p:sp>
             <p:nvSpPr>
               <p:cNvPr id="38" name="CaixaDeTexto 37">
@@ -8933,6 +8946,7 @@
               </a:bodyPr>
               <a:lstStyle/>
               <a:p>
+                <a:pPr/>
                 <a14:m>
                   <m:oMathPara xmlns:m="http://schemas.openxmlformats.org/officeDocument/2006/math">
                     <m:oMathParaPr>
@@ -8986,7 +9000,7 @@
             </p:txBody>
           </p:sp>
         </mc:Choice>
-        <mc:Fallback>
+        <mc:Fallback xmlns="">
           <p:sp>
             <p:nvSpPr>
               <p:cNvPr id="38" name="CaixaDeTexto 37">
@@ -9584,8 +9598,8 @@
           <a:chExt cx="0" cy="0"/>
         </a:xfrm>
       </p:grpSpPr>
-      <mc:AlternateContent xmlns:mc="http://schemas.openxmlformats.org/markup-compatibility/2006">
-        <mc:Choice xmlns:a14="http://schemas.microsoft.com/office/drawing/2010/main" Requires="a14">
+      <mc:AlternateContent xmlns:mc="http://schemas.openxmlformats.org/markup-compatibility/2006" xmlns:a14="http://schemas.microsoft.com/office/drawing/2010/main">
+        <mc:Choice Requires="a14">
           <p:sp>
             <p:nvSpPr>
               <p:cNvPr id="2" name="Título 1">
@@ -9636,7 +9650,7 @@
             </p:txBody>
           </p:sp>
         </mc:Choice>
-        <mc:Fallback>
+        <mc:Fallback xmlns="">
           <p:sp>
             <p:nvSpPr>
               <p:cNvPr id="2" name="Título 1">
@@ -11222,8 +11236,8 @@
           </a:fontRef>
         </p:style>
       </p:cxnSp>
-      <mc:AlternateContent xmlns:mc="http://schemas.openxmlformats.org/markup-compatibility/2006">
-        <mc:Choice xmlns:a14="http://schemas.microsoft.com/office/drawing/2010/main" Requires="a14">
+      <mc:AlternateContent xmlns:mc="http://schemas.openxmlformats.org/markup-compatibility/2006" xmlns:a14="http://schemas.microsoft.com/office/drawing/2010/main">
+        <mc:Choice Requires="a14">
           <p:sp>
             <p:nvSpPr>
               <p:cNvPr id="17" name="CaixaDeTexto 16">
@@ -11252,6 +11266,7 @@
               </a:bodyPr>
               <a:lstStyle/>
               <a:p>
+                <a:pPr/>
                 <a14:m>
                   <m:oMathPara xmlns:m="http://schemas.openxmlformats.org/officeDocument/2006/math">
                     <m:oMathParaPr>
@@ -11293,7 +11308,7 @@
             </p:txBody>
           </p:sp>
         </mc:Choice>
-        <mc:Fallback>
+        <mc:Fallback xmlns="">
           <p:sp>
             <p:nvSpPr>
               <p:cNvPr id="17" name="CaixaDeTexto 16">
@@ -11338,8 +11353,8 @@
           </p:sp>
         </mc:Fallback>
       </mc:AlternateContent>
-      <mc:AlternateContent xmlns:mc="http://schemas.openxmlformats.org/markup-compatibility/2006">
-        <mc:Choice xmlns:a14="http://schemas.microsoft.com/office/drawing/2010/main" Requires="a14">
+      <mc:AlternateContent xmlns:mc="http://schemas.openxmlformats.org/markup-compatibility/2006" xmlns:a14="http://schemas.microsoft.com/office/drawing/2010/main">
+        <mc:Choice Requires="a14">
           <p:sp>
             <p:nvSpPr>
               <p:cNvPr id="18" name="CaixaDeTexto 17">
@@ -11368,6 +11383,7 @@
               </a:bodyPr>
               <a:lstStyle/>
               <a:p>
+                <a:pPr/>
                 <a14:m>
                   <m:oMathPara xmlns:m="http://schemas.openxmlformats.org/officeDocument/2006/math">
                     <m:oMathParaPr>
@@ -11409,7 +11425,7 @@
             </p:txBody>
           </p:sp>
         </mc:Choice>
-        <mc:Fallback>
+        <mc:Fallback xmlns="">
           <p:sp>
             <p:nvSpPr>
               <p:cNvPr id="18" name="CaixaDeTexto 17">
@@ -11999,8 +12015,8 @@
           </a:p>
         </p:txBody>
       </p:sp>
-      <mc:AlternateContent xmlns:mc="http://schemas.openxmlformats.org/markup-compatibility/2006">
-        <mc:Choice xmlns:a14="http://schemas.microsoft.com/office/drawing/2010/main" Requires="a14">
+      <mc:AlternateContent xmlns:mc="http://schemas.openxmlformats.org/markup-compatibility/2006" xmlns:a14="http://schemas.microsoft.com/office/drawing/2010/main">
+        <mc:Choice Requires="a14">
           <p:sp>
             <p:nvSpPr>
               <p:cNvPr id="44" name="CaixaDeTexto 43">
@@ -12049,19 +12065,7 @@
                         <a:rPr lang="pt-BR" sz="1500" b="0" i="1" smtClean="0">
                           <a:latin typeface="Cambria Math" panose="02040503050406030204" pitchFamily="18" charset="0"/>
                         </a:rPr>
-                        <m:t>=</m:t>
-                      </m:r>
-                      <m:r>
-                        <a:rPr lang="pt-BR" sz="1500" b="0" i="1" smtClean="0">
-                          <a:latin typeface="Cambria Math" panose="02040503050406030204" pitchFamily="18" charset="0"/>
-                        </a:rPr>
-                        <m:t>29.4</m:t>
-                      </m:r>
-                      <m:r>
-                        <a:rPr lang="pt-BR" sz="1500" b="0" i="1" smtClean="0">
-                          <a:latin typeface="Cambria Math" panose="02040503050406030204" pitchFamily="18" charset="0"/>
-                        </a:rPr>
-                        <m:t>+19.1</m:t>
+                        <m:t>=29.4+19.1</m:t>
                       </m:r>
                     </m:oMath>
                   </m:oMathPara>
@@ -12071,7 +12075,7 @@
             </p:txBody>
           </p:sp>
         </mc:Choice>
-        <mc:Fallback>
+        <mc:Fallback xmlns="">
           <p:sp>
             <p:nvSpPr>
               <p:cNvPr id="44" name="CaixaDeTexto 43">
@@ -12116,8 +12120,8 @@
           </p:sp>
         </mc:Fallback>
       </mc:AlternateContent>
-      <mc:AlternateContent xmlns:mc="http://schemas.openxmlformats.org/markup-compatibility/2006">
-        <mc:Choice xmlns:a14="http://schemas.microsoft.com/office/drawing/2010/main" Requires="a14">
+      <mc:AlternateContent xmlns:mc="http://schemas.openxmlformats.org/markup-compatibility/2006" xmlns:a14="http://schemas.microsoft.com/office/drawing/2010/main">
+        <mc:Choice Requires="a14">
           <p:sp>
             <p:nvSpPr>
               <p:cNvPr id="45" name="CaixaDeTexto 44">
@@ -12166,25 +12170,7 @@
                         <a:rPr lang="pt-BR" sz="1500" b="0" i="1" smtClean="0">
                           <a:latin typeface="Cambria Math" panose="02040503050406030204" pitchFamily="18" charset="0"/>
                         </a:rPr>
-                        <m:t>=</m:t>
-                      </m:r>
-                      <m:r>
-                        <a:rPr lang="pt-BR" sz="1500" b="0" i="1" smtClean="0">
-                          <a:latin typeface="Cambria Math" panose="02040503050406030204" pitchFamily="18" charset="0"/>
-                        </a:rPr>
-                        <m:t>29.6</m:t>
-                      </m:r>
-                      <m:r>
-                        <a:rPr lang="pt-BR" sz="1500" b="0" i="1" smtClean="0">
-                          <a:latin typeface="Cambria Math" panose="02040503050406030204" pitchFamily="18" charset="0"/>
-                        </a:rPr>
-                        <m:t>+</m:t>
-                      </m:r>
-                      <m:r>
-                        <a:rPr lang="pt-BR" sz="1500" b="0" i="1" smtClean="0">
-                          <a:latin typeface="Cambria Math" panose="02040503050406030204" pitchFamily="18" charset="0"/>
-                        </a:rPr>
-                        <m:t>6.4</m:t>
+                        <m:t>=29.6+6.4</m:t>
                       </m:r>
                     </m:oMath>
                   </m:oMathPara>
@@ -12194,7 +12180,7 @@
             </p:txBody>
           </p:sp>
         </mc:Choice>
-        <mc:Fallback>
+        <mc:Fallback xmlns="">
           <p:sp>
             <p:nvSpPr>
               <p:cNvPr id="45" name="CaixaDeTexto 44">
@@ -12239,8 +12225,8 @@
           </p:sp>
         </mc:Fallback>
       </mc:AlternateContent>
-      <mc:AlternateContent xmlns:mc="http://schemas.openxmlformats.org/markup-compatibility/2006">
-        <mc:Choice xmlns:a14="http://schemas.microsoft.com/office/drawing/2010/main" Requires="a14">
+      <mc:AlternateContent xmlns:mc="http://schemas.openxmlformats.org/markup-compatibility/2006" xmlns:a14="http://schemas.microsoft.com/office/drawing/2010/main">
+        <mc:Choice Requires="a14">
           <p:sp>
             <p:nvSpPr>
               <p:cNvPr id="52" name="CaixaDeTexto 51">
@@ -12289,25 +12275,7 @@
                         <a:rPr lang="pt-BR" sz="1500" b="0" i="1" smtClean="0">
                           <a:latin typeface="Cambria Math" panose="02040503050406030204" pitchFamily="18" charset="0"/>
                         </a:rPr>
-                        <m:t>=</m:t>
-                      </m:r>
-                      <m:r>
-                        <a:rPr lang="pt-BR" sz="1500" b="0" i="1" smtClean="0">
-                          <a:latin typeface="Cambria Math" panose="02040503050406030204" pitchFamily="18" charset="0"/>
-                        </a:rPr>
-                        <m:t>32.2</m:t>
-                      </m:r>
-                      <m:r>
-                        <a:rPr lang="pt-BR" sz="1500" b="0" i="1" smtClean="0">
-                          <a:latin typeface="Cambria Math" panose="02040503050406030204" pitchFamily="18" charset="0"/>
-                        </a:rPr>
-                        <m:t>+</m:t>
-                      </m:r>
-                      <m:r>
-                        <a:rPr lang="pt-BR" sz="1500" b="0" i="1" smtClean="0">
-                          <a:latin typeface="Cambria Math" panose="02040503050406030204" pitchFamily="18" charset="0"/>
-                        </a:rPr>
-                        <m:t>14.2</m:t>
+                        <m:t>=32.2+14.2</m:t>
                       </m:r>
                     </m:oMath>
                   </m:oMathPara>
@@ -12317,7 +12285,7 @@
             </p:txBody>
           </p:sp>
         </mc:Choice>
-        <mc:Fallback>
+        <mc:Fallback xmlns="">
           <p:sp>
             <p:nvSpPr>
               <p:cNvPr id="52" name="CaixaDeTexto 51">
@@ -12362,8 +12330,8 @@
           </p:sp>
         </mc:Fallback>
       </mc:AlternateContent>
-      <mc:AlternateContent xmlns:mc="http://schemas.openxmlformats.org/markup-compatibility/2006">
-        <mc:Choice xmlns:a14="http://schemas.microsoft.com/office/drawing/2010/main" Requires="a14">
+      <mc:AlternateContent xmlns:mc="http://schemas.openxmlformats.org/markup-compatibility/2006" xmlns:a14="http://schemas.microsoft.com/office/drawing/2010/main">
+        <mc:Choice Requires="a14">
           <p:sp>
             <p:nvSpPr>
               <p:cNvPr id="53" name="CaixaDeTexto 52">
@@ -12392,6 +12360,7 @@
               </a:bodyPr>
               <a:lstStyle/>
               <a:p>
+                <a:pPr/>
                 <a14:m>
                   <m:oMathPara xmlns:m="http://schemas.openxmlformats.org/officeDocument/2006/math">
                     <m:oMathParaPr>
@@ -12423,7 +12392,7 @@
             </p:txBody>
           </p:sp>
         </mc:Choice>
-        <mc:Fallback>
+        <mc:Fallback xmlns="">
           <p:sp>
             <p:nvSpPr>
               <p:cNvPr id="53" name="CaixaDeTexto 52">
@@ -12468,8 +12437,8 @@
           </p:sp>
         </mc:Fallback>
       </mc:AlternateContent>
-      <mc:AlternateContent xmlns:mc="http://schemas.openxmlformats.org/markup-compatibility/2006">
-        <mc:Choice xmlns:a14="http://schemas.microsoft.com/office/drawing/2010/main" Requires="a14">
+      <mc:AlternateContent xmlns:mc="http://schemas.openxmlformats.org/markup-compatibility/2006" xmlns:a14="http://schemas.microsoft.com/office/drawing/2010/main">
+        <mc:Choice Requires="a14">
           <p:sp>
             <p:nvSpPr>
               <p:cNvPr id="54" name="CaixaDeTexto 53">
@@ -12498,6 +12467,7 @@
               </a:bodyPr>
               <a:lstStyle/>
               <a:p>
+                <a:pPr/>
                 <a14:m>
                   <m:oMathPara xmlns:m="http://schemas.openxmlformats.org/officeDocument/2006/math">
                     <m:oMathParaPr>
@@ -12551,7 +12521,7 @@
             </p:txBody>
           </p:sp>
         </mc:Choice>
-        <mc:Fallback>
+        <mc:Fallback xmlns="">
           <p:sp>
             <p:nvSpPr>
               <p:cNvPr id="54" name="CaixaDeTexto 53">
@@ -12596,8 +12566,8 @@
           </p:sp>
         </mc:Fallback>
       </mc:AlternateContent>
-      <mc:AlternateContent xmlns:mc="http://schemas.openxmlformats.org/markup-compatibility/2006">
-        <mc:Choice xmlns:a14="http://schemas.microsoft.com/office/drawing/2010/main" Requires="a14">
+      <mc:AlternateContent xmlns:mc="http://schemas.openxmlformats.org/markup-compatibility/2006" xmlns:a14="http://schemas.microsoft.com/office/drawing/2010/main">
+        <mc:Choice Requires="a14">
           <p:sp>
             <p:nvSpPr>
               <p:cNvPr id="55" name="CaixaDeTexto 54">
@@ -12626,6 +12596,7 @@
               </a:bodyPr>
               <a:lstStyle/>
               <a:p>
+                <a:pPr/>
                 <a14:m>
                   <m:oMathPara xmlns:m="http://schemas.openxmlformats.org/officeDocument/2006/math">
                     <m:oMathParaPr>
@@ -12657,7 +12628,7 @@
             </p:txBody>
           </p:sp>
         </mc:Choice>
-        <mc:Fallback>
+        <mc:Fallback xmlns="">
           <p:sp>
             <p:nvSpPr>
               <p:cNvPr id="55" name="CaixaDeTexto 54">
@@ -12702,8 +12673,8 @@
           </p:sp>
         </mc:Fallback>
       </mc:AlternateContent>
-      <mc:AlternateContent xmlns:mc="http://schemas.openxmlformats.org/markup-compatibility/2006">
-        <mc:Choice xmlns:a14="http://schemas.microsoft.com/office/drawing/2010/main" Requires="a14">
+      <mc:AlternateContent xmlns:mc="http://schemas.openxmlformats.org/markup-compatibility/2006" xmlns:a14="http://schemas.microsoft.com/office/drawing/2010/main">
+        <mc:Choice Requires="a14">
           <p:sp>
             <p:nvSpPr>
               <p:cNvPr id="56" name="CaixaDeTexto 55">
@@ -12732,6 +12703,7 @@
               </a:bodyPr>
               <a:lstStyle/>
               <a:p>
+                <a:pPr/>
                 <a14:m>
                   <m:oMathPara xmlns:m="http://schemas.openxmlformats.org/officeDocument/2006/math">
                     <m:oMathParaPr>
@@ -12785,7 +12757,7 @@
             </p:txBody>
           </p:sp>
         </mc:Choice>
-        <mc:Fallback>
+        <mc:Fallback xmlns="">
           <p:sp>
             <p:nvSpPr>
               <p:cNvPr id="56" name="CaixaDeTexto 55">
@@ -12830,8 +12802,8 @@
           </p:sp>
         </mc:Fallback>
       </mc:AlternateContent>
-      <mc:AlternateContent xmlns:mc="http://schemas.openxmlformats.org/markup-compatibility/2006">
-        <mc:Choice xmlns:a14="http://schemas.microsoft.com/office/drawing/2010/main" Requires="a14">
+      <mc:AlternateContent xmlns:mc="http://schemas.openxmlformats.org/markup-compatibility/2006" xmlns:a14="http://schemas.microsoft.com/office/drawing/2010/main">
+        <mc:Choice Requires="a14">
           <p:sp>
             <p:nvSpPr>
               <p:cNvPr id="57" name="CaixaDeTexto 56">
@@ -12860,6 +12832,7 @@
               </a:bodyPr>
               <a:lstStyle/>
               <a:p>
+                <a:pPr/>
                 <a14:m>
                   <m:oMathPara xmlns:m="http://schemas.openxmlformats.org/officeDocument/2006/math">
                     <m:oMathParaPr>
@@ -12913,7 +12886,7 @@
             </p:txBody>
           </p:sp>
         </mc:Choice>
-        <mc:Fallback>
+        <mc:Fallback xmlns="">
           <p:sp>
             <p:nvSpPr>
               <p:cNvPr id="57" name="CaixaDeTexto 56">
@@ -12958,8 +12931,8 @@
           </p:sp>
         </mc:Fallback>
       </mc:AlternateContent>
-      <mc:AlternateContent xmlns:mc="http://schemas.openxmlformats.org/markup-compatibility/2006">
-        <mc:Choice xmlns:a14="http://schemas.microsoft.com/office/drawing/2010/main" Requires="a14">
+      <mc:AlternateContent xmlns:mc="http://schemas.openxmlformats.org/markup-compatibility/2006" xmlns:a14="http://schemas.microsoft.com/office/drawing/2010/main">
+        <mc:Choice Requires="a14">
           <p:sp>
             <p:nvSpPr>
               <p:cNvPr id="58" name="CaixaDeTexto 57">
@@ -12988,6 +12961,7 @@
               </a:bodyPr>
               <a:lstStyle/>
               <a:p>
+                <a:pPr/>
                 <a14:m>
                   <m:oMathPara xmlns:m="http://schemas.openxmlformats.org/officeDocument/2006/math">
                     <m:oMathParaPr>
@@ -13041,7 +13015,7 @@
             </p:txBody>
           </p:sp>
         </mc:Choice>
-        <mc:Fallback>
+        <mc:Fallback xmlns="">
           <p:sp>
             <p:nvSpPr>
               <p:cNvPr id="58" name="CaixaDeTexto 57">
@@ -13086,8 +13060,8 @@
           </p:sp>
         </mc:Fallback>
       </mc:AlternateContent>
-      <mc:AlternateContent xmlns:mc="http://schemas.openxmlformats.org/markup-compatibility/2006">
-        <mc:Choice xmlns:a14="http://schemas.microsoft.com/office/drawing/2010/main" Requires="a14">
+      <mc:AlternateContent xmlns:mc="http://schemas.openxmlformats.org/markup-compatibility/2006" xmlns:a14="http://schemas.microsoft.com/office/drawing/2010/main">
+        <mc:Choice Requires="a14">
           <p:sp>
             <p:nvSpPr>
               <p:cNvPr id="59" name="CaixaDeTexto 58">
@@ -13116,6 +13090,7 @@
               </a:bodyPr>
               <a:lstStyle/>
               <a:p>
+                <a:pPr/>
                 <a14:m>
                   <m:oMathPara xmlns:m="http://schemas.openxmlformats.org/officeDocument/2006/math">
                     <m:oMathParaPr>
@@ -13169,7 +13144,7 @@
             </p:txBody>
           </p:sp>
         </mc:Choice>
-        <mc:Fallback>
+        <mc:Fallback xmlns="">
           <p:sp>
             <p:nvSpPr>
               <p:cNvPr id="59" name="CaixaDeTexto 58">
@@ -13771,8 +13746,8 @@
           <a:chExt cx="0" cy="0"/>
         </a:xfrm>
       </p:grpSpPr>
-      <mc:AlternateContent xmlns:mc="http://schemas.openxmlformats.org/markup-compatibility/2006">
-        <mc:Choice xmlns:a14="http://schemas.microsoft.com/office/drawing/2010/main" Requires="a14">
+      <mc:AlternateContent xmlns:mc="http://schemas.openxmlformats.org/markup-compatibility/2006" xmlns:a14="http://schemas.microsoft.com/office/drawing/2010/main">
+        <mc:Choice Requires="a14">
           <p:sp>
             <p:nvSpPr>
               <p:cNvPr id="2" name="Título 1">
@@ -13823,7 +13798,7 @@
             </p:txBody>
           </p:sp>
         </mc:Choice>
-        <mc:Fallback>
+        <mc:Fallback xmlns="">
           <p:sp>
             <p:nvSpPr>
               <p:cNvPr id="2" name="Título 1">
@@ -15402,8 +15377,8 @@
           </a:fontRef>
         </p:style>
       </p:cxnSp>
-      <mc:AlternateContent xmlns:mc="http://schemas.openxmlformats.org/markup-compatibility/2006">
-        <mc:Choice xmlns:a14="http://schemas.microsoft.com/office/drawing/2010/main" Requires="a14">
+      <mc:AlternateContent xmlns:mc="http://schemas.openxmlformats.org/markup-compatibility/2006" xmlns:a14="http://schemas.microsoft.com/office/drawing/2010/main">
+        <mc:Choice Requires="a14">
           <p:sp>
             <p:nvSpPr>
               <p:cNvPr id="17" name="CaixaDeTexto 16">
@@ -15432,6 +15407,7 @@
               </a:bodyPr>
               <a:lstStyle/>
               <a:p>
+                <a:pPr/>
                 <a14:m>
                   <m:oMathPara xmlns:m="http://schemas.openxmlformats.org/officeDocument/2006/math">
                     <m:oMathParaPr>
@@ -15473,7 +15449,7 @@
             </p:txBody>
           </p:sp>
         </mc:Choice>
-        <mc:Fallback>
+        <mc:Fallback xmlns="">
           <p:sp>
             <p:nvSpPr>
               <p:cNvPr id="17" name="CaixaDeTexto 16">
@@ -15518,8 +15494,8 @@
           </p:sp>
         </mc:Fallback>
       </mc:AlternateContent>
-      <mc:AlternateContent xmlns:mc="http://schemas.openxmlformats.org/markup-compatibility/2006">
-        <mc:Choice xmlns:a14="http://schemas.microsoft.com/office/drawing/2010/main" Requires="a14">
+      <mc:AlternateContent xmlns:mc="http://schemas.openxmlformats.org/markup-compatibility/2006" xmlns:a14="http://schemas.microsoft.com/office/drawing/2010/main">
+        <mc:Choice Requires="a14">
           <p:sp>
             <p:nvSpPr>
               <p:cNvPr id="18" name="CaixaDeTexto 17">
@@ -15548,6 +15524,7 @@
               </a:bodyPr>
               <a:lstStyle/>
               <a:p>
+                <a:pPr/>
                 <a14:m>
                   <m:oMathPara xmlns:m="http://schemas.openxmlformats.org/officeDocument/2006/math">
                     <m:oMathParaPr>
@@ -15589,7 +15566,7 @@
             </p:txBody>
           </p:sp>
         </mc:Choice>
-        <mc:Fallback>
+        <mc:Fallback xmlns="">
           <p:sp>
             <p:nvSpPr>
               <p:cNvPr id="18" name="CaixaDeTexto 17">
@@ -16179,8 +16156,8 @@
           </a:p>
         </p:txBody>
       </p:sp>
-      <mc:AlternateContent xmlns:mc="http://schemas.openxmlformats.org/markup-compatibility/2006">
-        <mc:Choice xmlns:a14="http://schemas.microsoft.com/office/drawing/2010/main" Requires="a14">
+      <mc:AlternateContent xmlns:mc="http://schemas.openxmlformats.org/markup-compatibility/2006" xmlns:a14="http://schemas.microsoft.com/office/drawing/2010/main">
+        <mc:Choice Requires="a14">
           <p:sp>
             <p:nvSpPr>
               <p:cNvPr id="44" name="CaixaDeTexto 43">
@@ -16251,7 +16228,7 @@
             </p:txBody>
           </p:sp>
         </mc:Choice>
-        <mc:Fallback>
+        <mc:Fallback xmlns="">
           <p:sp>
             <p:nvSpPr>
               <p:cNvPr id="44" name="CaixaDeTexto 43">
@@ -16296,8 +16273,8 @@
           </p:sp>
         </mc:Fallback>
       </mc:AlternateContent>
-      <mc:AlternateContent xmlns:mc="http://schemas.openxmlformats.org/markup-compatibility/2006">
-        <mc:Choice xmlns:a14="http://schemas.microsoft.com/office/drawing/2010/main" Requires="a14">
+      <mc:AlternateContent xmlns:mc="http://schemas.openxmlformats.org/markup-compatibility/2006" xmlns:a14="http://schemas.microsoft.com/office/drawing/2010/main">
+        <mc:Choice Requires="a14">
           <p:sp>
             <p:nvSpPr>
               <p:cNvPr id="52" name="CaixaDeTexto 51">
@@ -16368,7 +16345,7 @@
             </p:txBody>
           </p:sp>
         </mc:Choice>
-        <mc:Fallback>
+        <mc:Fallback xmlns="">
           <p:sp>
             <p:nvSpPr>
               <p:cNvPr id="52" name="CaixaDeTexto 51">
@@ -16709,8 +16686,8 @@
           </a:fontRef>
         </p:style>
       </p:cxnSp>
-      <mc:AlternateContent xmlns:mc="http://schemas.openxmlformats.org/markup-compatibility/2006">
-        <mc:Choice xmlns:a14="http://schemas.microsoft.com/office/drawing/2010/main" Requires="a14">
+      <mc:AlternateContent xmlns:mc="http://schemas.openxmlformats.org/markup-compatibility/2006" xmlns:a14="http://schemas.microsoft.com/office/drawing/2010/main">
+        <mc:Choice Requires="a14">
           <p:sp>
             <p:nvSpPr>
               <p:cNvPr id="41" name="CaixaDeTexto 40">
@@ -16759,25 +16736,7 @@
                         <a:rPr lang="pt-BR" sz="1500" b="0" i="1" smtClean="0">
                           <a:latin typeface="Cambria Math" panose="02040503050406030204" pitchFamily="18" charset="0"/>
                         </a:rPr>
-                        <m:t>=</m:t>
-                      </m:r>
-                      <m:r>
-                        <a:rPr lang="pt-BR" sz="1500" b="0" i="1" smtClean="0">
-                          <a:latin typeface="Cambria Math" panose="02040503050406030204" pitchFamily="18" charset="0"/>
-                        </a:rPr>
-                        <m:t>44.9</m:t>
-                      </m:r>
-                      <m:r>
-                        <a:rPr lang="pt-BR" sz="1500" b="0" i="1" smtClean="0">
-                          <a:latin typeface="Cambria Math" panose="02040503050406030204" pitchFamily="18" charset="0"/>
-                        </a:rPr>
-                        <m:t>+</m:t>
-                      </m:r>
-                      <m:r>
-                        <a:rPr lang="pt-BR" sz="1500" b="0" i="1" smtClean="0">
-                          <a:latin typeface="Cambria Math" panose="02040503050406030204" pitchFamily="18" charset="0"/>
-                        </a:rPr>
-                        <m:t>18.6</m:t>
+                        <m:t>=44.9+18.6</m:t>
                       </m:r>
                     </m:oMath>
                   </m:oMathPara>
@@ -16787,7 +16746,7 @@
             </p:txBody>
           </p:sp>
         </mc:Choice>
-        <mc:Fallback>
+        <mc:Fallback xmlns="">
           <p:sp>
             <p:nvSpPr>
               <p:cNvPr id="41" name="CaixaDeTexto 40">
@@ -16832,8 +16791,8 @@
           </p:sp>
         </mc:Fallback>
       </mc:AlternateContent>
-      <mc:AlternateContent xmlns:mc="http://schemas.openxmlformats.org/markup-compatibility/2006">
-        <mc:Choice xmlns:a14="http://schemas.microsoft.com/office/drawing/2010/main" Requires="a14">
+      <mc:AlternateContent xmlns:mc="http://schemas.openxmlformats.org/markup-compatibility/2006" xmlns:a14="http://schemas.microsoft.com/office/drawing/2010/main">
+        <mc:Choice Requires="a14">
           <p:sp>
             <p:nvSpPr>
               <p:cNvPr id="42" name="CaixaDeTexto 41">
@@ -16882,13 +16841,7 @@
                         <a:rPr lang="pt-BR" sz="1500" b="0" i="1" smtClean="0">
                           <a:latin typeface="Cambria Math" panose="02040503050406030204" pitchFamily="18" charset="0"/>
                         </a:rPr>
-                        <m:t>=</m:t>
-                      </m:r>
-                      <m:r>
-                        <a:rPr lang="pt-BR" sz="1500" b="0" i="1" smtClean="0">
-                          <a:latin typeface="Cambria Math" panose="02040503050406030204" pitchFamily="18" charset="0"/>
-                        </a:rPr>
-                        <m:t>59.6+24.8</m:t>
+                        <m:t>=59.6+24.8</m:t>
                       </m:r>
                     </m:oMath>
                   </m:oMathPara>
@@ -16898,7 +16851,7 @@
             </p:txBody>
           </p:sp>
         </mc:Choice>
-        <mc:Fallback>
+        <mc:Fallback xmlns="">
           <p:sp>
             <p:nvSpPr>
               <p:cNvPr id="42" name="CaixaDeTexto 41">
@@ -16943,8 +16896,8 @@
           </p:sp>
         </mc:Fallback>
       </mc:AlternateContent>
-      <mc:AlternateContent xmlns:mc="http://schemas.openxmlformats.org/markup-compatibility/2006">
-        <mc:Choice xmlns:a14="http://schemas.microsoft.com/office/drawing/2010/main" Requires="a14">
+      <mc:AlternateContent xmlns:mc="http://schemas.openxmlformats.org/markup-compatibility/2006" xmlns:a14="http://schemas.microsoft.com/office/drawing/2010/main">
+        <mc:Choice Requires="a14">
           <p:sp>
             <p:nvSpPr>
               <p:cNvPr id="43" name="CaixaDeTexto 42">
@@ -16993,13 +16946,7 @@
                         <a:rPr lang="pt-BR" sz="1500" b="0" i="1" smtClean="0">
                           <a:latin typeface="Cambria Math" panose="02040503050406030204" pitchFamily="18" charset="0"/>
                         </a:rPr>
-                        <m:t>=</m:t>
-                      </m:r>
-                      <m:r>
-                        <a:rPr lang="pt-BR" sz="1500" b="0" i="1" smtClean="0">
-                          <a:latin typeface="Cambria Math" panose="02040503050406030204" pitchFamily="18" charset="0"/>
-                        </a:rPr>
-                        <m:t>36+0</m:t>
+                        <m:t>=36+0</m:t>
                       </m:r>
                     </m:oMath>
                   </m:oMathPara>
@@ -17009,7 +16956,7 @@
             </p:txBody>
           </p:sp>
         </mc:Choice>
-        <mc:Fallback>
+        <mc:Fallback xmlns="">
           <p:sp>
             <p:nvSpPr>
               <p:cNvPr id="43" name="CaixaDeTexto 42">
@@ -17054,8 +17001,8 @@
           </p:sp>
         </mc:Fallback>
       </mc:AlternateContent>
-      <mc:AlternateContent xmlns:mc="http://schemas.openxmlformats.org/markup-compatibility/2006">
-        <mc:Choice xmlns:a14="http://schemas.microsoft.com/office/drawing/2010/main" Requires="a14">
+      <mc:AlternateContent xmlns:mc="http://schemas.openxmlformats.org/markup-compatibility/2006" xmlns:a14="http://schemas.microsoft.com/office/drawing/2010/main">
+        <mc:Choice Requires="a14">
           <p:sp>
             <p:nvSpPr>
               <p:cNvPr id="46" name="CaixaDeTexto 45">
@@ -17084,6 +17031,7 @@
               </a:bodyPr>
               <a:lstStyle/>
               <a:p>
+                <a:pPr/>
                 <a14:m>
                   <m:oMathPara xmlns:m="http://schemas.openxmlformats.org/officeDocument/2006/math">
                     <m:oMathParaPr>
@@ -17115,7 +17063,7 @@
             </p:txBody>
           </p:sp>
         </mc:Choice>
-        <mc:Fallback>
+        <mc:Fallback xmlns="">
           <p:sp>
             <p:nvSpPr>
               <p:cNvPr id="46" name="CaixaDeTexto 45">
@@ -17160,8 +17108,8 @@
           </p:sp>
         </mc:Fallback>
       </mc:AlternateContent>
-      <mc:AlternateContent xmlns:mc="http://schemas.openxmlformats.org/markup-compatibility/2006">
-        <mc:Choice xmlns:a14="http://schemas.microsoft.com/office/drawing/2010/main" Requires="a14">
+      <mc:AlternateContent xmlns:mc="http://schemas.openxmlformats.org/markup-compatibility/2006" xmlns:a14="http://schemas.microsoft.com/office/drawing/2010/main">
+        <mc:Choice Requires="a14">
           <p:sp>
             <p:nvSpPr>
               <p:cNvPr id="47" name="CaixaDeTexto 46">
@@ -17190,6 +17138,7 @@
               </a:bodyPr>
               <a:lstStyle/>
               <a:p>
+                <a:pPr/>
                 <a14:m>
                   <m:oMathPara xmlns:m="http://schemas.openxmlformats.org/officeDocument/2006/math">
                     <m:oMathParaPr>
@@ -17243,7 +17192,7 @@
             </p:txBody>
           </p:sp>
         </mc:Choice>
-        <mc:Fallback>
+        <mc:Fallback xmlns="">
           <p:sp>
             <p:nvSpPr>
               <p:cNvPr id="47" name="CaixaDeTexto 46">
@@ -17288,8 +17237,8 @@
           </p:sp>
         </mc:Fallback>
       </mc:AlternateContent>
-      <mc:AlternateContent xmlns:mc="http://schemas.openxmlformats.org/markup-compatibility/2006">
-        <mc:Choice xmlns:a14="http://schemas.microsoft.com/office/drawing/2010/main" Requires="a14">
+      <mc:AlternateContent xmlns:mc="http://schemas.openxmlformats.org/markup-compatibility/2006" xmlns:a14="http://schemas.microsoft.com/office/drawing/2010/main">
+        <mc:Choice Requires="a14">
           <p:sp>
             <p:nvSpPr>
               <p:cNvPr id="48" name="CaixaDeTexto 47">
@@ -17318,6 +17267,7 @@
               </a:bodyPr>
               <a:lstStyle/>
               <a:p>
+                <a:pPr/>
                 <a14:m>
                   <m:oMathPara xmlns:m="http://schemas.openxmlformats.org/officeDocument/2006/math">
                     <m:oMathParaPr>
@@ -17349,7 +17299,7 @@
             </p:txBody>
           </p:sp>
         </mc:Choice>
-        <mc:Fallback>
+        <mc:Fallback xmlns="">
           <p:sp>
             <p:nvSpPr>
               <p:cNvPr id="48" name="CaixaDeTexto 47">
@@ -17394,8 +17344,8 @@
           </p:sp>
         </mc:Fallback>
       </mc:AlternateContent>
-      <mc:AlternateContent xmlns:mc="http://schemas.openxmlformats.org/markup-compatibility/2006">
-        <mc:Choice xmlns:a14="http://schemas.microsoft.com/office/drawing/2010/main" Requires="a14">
+      <mc:AlternateContent xmlns:mc="http://schemas.openxmlformats.org/markup-compatibility/2006" xmlns:a14="http://schemas.microsoft.com/office/drawing/2010/main">
+        <mc:Choice Requires="a14">
           <p:sp>
             <p:nvSpPr>
               <p:cNvPr id="49" name="CaixaDeTexto 48">
@@ -17424,6 +17374,7 @@
               </a:bodyPr>
               <a:lstStyle/>
               <a:p>
+                <a:pPr/>
                 <a14:m>
                   <m:oMathPara xmlns:m="http://schemas.openxmlformats.org/officeDocument/2006/math">
                     <m:oMathParaPr>
@@ -17477,7 +17428,7 @@
             </p:txBody>
           </p:sp>
         </mc:Choice>
-        <mc:Fallback>
+        <mc:Fallback xmlns="">
           <p:sp>
             <p:nvSpPr>
               <p:cNvPr id="49" name="CaixaDeTexto 48">
@@ -17522,8 +17473,8 @@
           </p:sp>
         </mc:Fallback>
       </mc:AlternateContent>
-      <mc:AlternateContent xmlns:mc="http://schemas.openxmlformats.org/markup-compatibility/2006">
-        <mc:Choice xmlns:a14="http://schemas.microsoft.com/office/drawing/2010/main" Requires="a14">
+      <mc:AlternateContent xmlns:mc="http://schemas.openxmlformats.org/markup-compatibility/2006" xmlns:a14="http://schemas.microsoft.com/office/drawing/2010/main">
+        <mc:Choice Requires="a14">
           <p:sp>
             <p:nvSpPr>
               <p:cNvPr id="50" name="CaixaDeTexto 49">
@@ -17552,6 +17503,7 @@
               </a:bodyPr>
               <a:lstStyle/>
               <a:p>
+                <a:pPr/>
                 <a14:m>
                   <m:oMathPara xmlns:m="http://schemas.openxmlformats.org/officeDocument/2006/math">
                     <m:oMathParaPr>
@@ -17605,7 +17557,7 @@
             </p:txBody>
           </p:sp>
         </mc:Choice>
-        <mc:Fallback>
+        <mc:Fallback xmlns="">
           <p:sp>
             <p:nvSpPr>
               <p:cNvPr id="50" name="CaixaDeTexto 49">
@@ -17650,8 +17602,8 @@
           </p:sp>
         </mc:Fallback>
       </mc:AlternateContent>
-      <mc:AlternateContent xmlns:mc="http://schemas.openxmlformats.org/markup-compatibility/2006">
-        <mc:Choice xmlns:a14="http://schemas.microsoft.com/office/drawing/2010/main" Requires="a14">
+      <mc:AlternateContent xmlns:mc="http://schemas.openxmlformats.org/markup-compatibility/2006" xmlns:a14="http://schemas.microsoft.com/office/drawing/2010/main">
+        <mc:Choice Requires="a14">
           <p:sp>
             <p:nvSpPr>
               <p:cNvPr id="51" name="CaixaDeTexto 50">
@@ -17680,6 +17632,7 @@
               </a:bodyPr>
               <a:lstStyle/>
               <a:p>
+                <a:pPr/>
                 <a14:m>
                   <m:oMathPara xmlns:m="http://schemas.openxmlformats.org/officeDocument/2006/math">
                     <m:oMathParaPr>
@@ -17733,7 +17686,7 @@
             </p:txBody>
           </p:sp>
         </mc:Choice>
-        <mc:Fallback>
+        <mc:Fallback xmlns="">
           <p:sp>
             <p:nvSpPr>
               <p:cNvPr id="51" name="CaixaDeTexto 50">
@@ -17778,8 +17731,8 @@
           </p:sp>
         </mc:Fallback>
       </mc:AlternateContent>
-      <mc:AlternateContent xmlns:mc="http://schemas.openxmlformats.org/markup-compatibility/2006">
-        <mc:Choice xmlns:a14="http://schemas.microsoft.com/office/drawing/2010/main" Requires="a14">
+      <mc:AlternateContent xmlns:mc="http://schemas.openxmlformats.org/markup-compatibility/2006" xmlns:a14="http://schemas.microsoft.com/office/drawing/2010/main">
+        <mc:Choice Requires="a14">
           <p:sp>
             <p:nvSpPr>
               <p:cNvPr id="53" name="CaixaDeTexto 52">
@@ -17808,6 +17761,7 @@
               </a:bodyPr>
               <a:lstStyle/>
               <a:p>
+                <a:pPr/>
                 <a14:m>
                   <m:oMathPara xmlns:m="http://schemas.openxmlformats.org/officeDocument/2006/math">
                     <m:oMathParaPr>
@@ -17861,7 +17815,7 @@
             </p:txBody>
           </p:sp>
         </mc:Choice>
-        <mc:Fallback>
+        <mc:Fallback xmlns="">
           <p:sp>
             <p:nvSpPr>
               <p:cNvPr id="53" name="CaixaDeTexto 52">
@@ -17906,8 +17860,8 @@
           </p:sp>
         </mc:Fallback>
       </mc:AlternateContent>
-      <mc:AlternateContent xmlns:mc="http://schemas.openxmlformats.org/markup-compatibility/2006">
-        <mc:Choice xmlns:a14="http://schemas.microsoft.com/office/drawing/2010/main" Requires="a14">
+      <mc:AlternateContent xmlns:mc="http://schemas.openxmlformats.org/markup-compatibility/2006" xmlns:a14="http://schemas.microsoft.com/office/drawing/2010/main">
+        <mc:Choice Requires="a14">
           <p:sp>
             <p:nvSpPr>
               <p:cNvPr id="54" name="CaixaDeTexto 53">
@@ -17936,6 +17890,7 @@
               </a:bodyPr>
               <a:lstStyle/>
               <a:p>
+                <a:pPr/>
                 <a14:m>
                   <m:oMathPara xmlns:m="http://schemas.openxmlformats.org/officeDocument/2006/math">
                     <m:oMathParaPr>
@@ -17989,7 +17944,7 @@
             </p:txBody>
           </p:sp>
         </mc:Choice>
-        <mc:Fallback>
+        <mc:Fallback xmlns="">
           <p:sp>
             <p:nvSpPr>
               <p:cNvPr id="54" name="CaixaDeTexto 53">
@@ -18034,8 +17989,8 @@
           </p:sp>
         </mc:Fallback>
       </mc:AlternateContent>
-      <mc:AlternateContent xmlns:mc="http://schemas.openxmlformats.org/markup-compatibility/2006">
-        <mc:Choice xmlns:a14="http://schemas.microsoft.com/office/drawing/2010/main" Requires="a14">
+      <mc:AlternateContent xmlns:mc="http://schemas.openxmlformats.org/markup-compatibility/2006" xmlns:a14="http://schemas.microsoft.com/office/drawing/2010/main">
+        <mc:Choice Requires="a14">
           <p:sp>
             <p:nvSpPr>
               <p:cNvPr id="55" name="CaixaDeTexto 54">
@@ -18064,6 +18019,7 @@
               </a:bodyPr>
               <a:lstStyle/>
               <a:p>
+                <a:pPr/>
                 <a14:m>
                   <m:oMathPara xmlns:m="http://schemas.openxmlformats.org/officeDocument/2006/math">
                     <m:oMathParaPr>
@@ -18095,7 +18051,7 @@
             </p:txBody>
           </p:sp>
         </mc:Choice>
-        <mc:Fallback>
+        <mc:Fallback xmlns="">
           <p:sp>
             <p:nvSpPr>
               <p:cNvPr id="55" name="CaixaDeTexto 54">
@@ -18140,8 +18096,8 @@
           </p:sp>
         </mc:Fallback>
       </mc:AlternateContent>
-      <mc:AlternateContent xmlns:mc="http://schemas.openxmlformats.org/markup-compatibility/2006">
-        <mc:Choice xmlns:a14="http://schemas.microsoft.com/office/drawing/2010/main" Requires="a14">
+      <mc:AlternateContent xmlns:mc="http://schemas.openxmlformats.org/markup-compatibility/2006" xmlns:a14="http://schemas.microsoft.com/office/drawing/2010/main">
+        <mc:Choice Requires="a14">
           <p:sp>
             <p:nvSpPr>
               <p:cNvPr id="56" name="CaixaDeTexto 55">
@@ -18170,6 +18126,7 @@
               </a:bodyPr>
               <a:lstStyle/>
               <a:p>
+                <a:pPr/>
                 <a14:m>
                   <m:oMathPara xmlns:m="http://schemas.openxmlformats.org/officeDocument/2006/math">
                     <m:oMathParaPr>
@@ -18201,7 +18158,7 @@
             </p:txBody>
           </p:sp>
         </mc:Choice>
-        <mc:Fallback>
+        <mc:Fallback xmlns="">
           <p:sp>
             <p:nvSpPr>
               <p:cNvPr id="56" name="CaixaDeTexto 55">
@@ -18803,8 +18760,8 @@
           <a:chExt cx="0" cy="0"/>
         </a:xfrm>
       </p:grpSpPr>
-      <mc:AlternateContent xmlns:mc="http://schemas.openxmlformats.org/markup-compatibility/2006">
-        <mc:Choice xmlns:a14="http://schemas.microsoft.com/office/drawing/2010/main" Requires="a14">
+      <mc:AlternateContent xmlns:mc="http://schemas.openxmlformats.org/markup-compatibility/2006" xmlns:a14="http://schemas.microsoft.com/office/drawing/2010/main">
+        <mc:Choice Requires="a14">
           <p:sp>
             <p:nvSpPr>
               <p:cNvPr id="2" name="Título 1">
@@ -18855,7 +18812,7 @@
             </p:txBody>
           </p:sp>
         </mc:Choice>
-        <mc:Fallback>
+        <mc:Fallback xmlns="">
           <p:sp>
             <p:nvSpPr>
               <p:cNvPr id="2" name="Título 1">
@@ -21083,8 +21040,8 @@
           </a:fontRef>
         </p:style>
       </p:cxnSp>
-      <mc:AlternateContent xmlns:mc="http://schemas.openxmlformats.org/markup-compatibility/2006">
-        <mc:Choice xmlns:a14="http://schemas.microsoft.com/office/drawing/2010/main" Requires="a14">
+      <mc:AlternateContent xmlns:mc="http://schemas.openxmlformats.org/markup-compatibility/2006" xmlns:a14="http://schemas.microsoft.com/office/drawing/2010/main">
+        <mc:Choice Requires="a14">
           <p:sp>
             <p:nvSpPr>
               <p:cNvPr id="46" name="CaixaDeTexto 45">
@@ -21113,6 +21070,7 @@
               </a:bodyPr>
               <a:lstStyle/>
               <a:p>
+                <a:pPr/>
                 <a14:m>
                   <m:oMathPara xmlns:m="http://schemas.openxmlformats.org/officeDocument/2006/math">
                     <m:oMathParaPr>
@@ -21144,7 +21102,7 @@
             </p:txBody>
           </p:sp>
         </mc:Choice>
-        <mc:Fallback>
+        <mc:Fallback xmlns="">
           <p:sp>
             <p:nvSpPr>
               <p:cNvPr id="46" name="CaixaDeTexto 45">
@@ -21189,8 +21147,8 @@
           </p:sp>
         </mc:Fallback>
       </mc:AlternateContent>
-      <mc:AlternateContent xmlns:mc="http://schemas.openxmlformats.org/markup-compatibility/2006">
-        <mc:Choice xmlns:a14="http://schemas.microsoft.com/office/drawing/2010/main" Requires="a14">
+      <mc:AlternateContent xmlns:mc="http://schemas.openxmlformats.org/markup-compatibility/2006" xmlns:a14="http://schemas.microsoft.com/office/drawing/2010/main">
+        <mc:Choice Requires="a14">
           <p:sp>
             <p:nvSpPr>
               <p:cNvPr id="47" name="CaixaDeTexto 46">
@@ -21219,6 +21177,7 @@
               </a:bodyPr>
               <a:lstStyle/>
               <a:p>
+                <a:pPr/>
                 <a14:m>
                   <m:oMathPara xmlns:m="http://schemas.openxmlformats.org/officeDocument/2006/math">
                     <m:oMathParaPr>
@@ -21272,7 +21231,7 @@
             </p:txBody>
           </p:sp>
         </mc:Choice>
-        <mc:Fallback>
+        <mc:Fallback xmlns="">
           <p:sp>
             <p:nvSpPr>
               <p:cNvPr id="47" name="CaixaDeTexto 46">
@@ -21317,8 +21276,8 @@
           </p:sp>
         </mc:Fallback>
       </mc:AlternateContent>
-      <mc:AlternateContent xmlns:mc="http://schemas.openxmlformats.org/markup-compatibility/2006">
-        <mc:Choice xmlns:a14="http://schemas.microsoft.com/office/drawing/2010/main" Requires="a14">
+      <mc:AlternateContent xmlns:mc="http://schemas.openxmlformats.org/markup-compatibility/2006" xmlns:a14="http://schemas.microsoft.com/office/drawing/2010/main">
+        <mc:Choice Requires="a14">
           <p:sp>
             <p:nvSpPr>
               <p:cNvPr id="48" name="CaixaDeTexto 47">
@@ -21347,6 +21306,7 @@
               </a:bodyPr>
               <a:lstStyle/>
               <a:p>
+                <a:pPr/>
                 <a14:m>
                   <m:oMathPara xmlns:m="http://schemas.openxmlformats.org/officeDocument/2006/math">
                     <m:oMathParaPr>
@@ -21378,7 +21338,7 @@
             </p:txBody>
           </p:sp>
         </mc:Choice>
-        <mc:Fallback>
+        <mc:Fallback xmlns="">
           <p:sp>
             <p:nvSpPr>
               <p:cNvPr id="48" name="CaixaDeTexto 47">
@@ -21423,8 +21383,8 @@
           </p:sp>
         </mc:Fallback>
       </mc:AlternateContent>
-      <mc:AlternateContent xmlns:mc="http://schemas.openxmlformats.org/markup-compatibility/2006">
-        <mc:Choice xmlns:a14="http://schemas.microsoft.com/office/drawing/2010/main" Requires="a14">
+      <mc:AlternateContent xmlns:mc="http://schemas.openxmlformats.org/markup-compatibility/2006" xmlns:a14="http://schemas.microsoft.com/office/drawing/2010/main">
+        <mc:Choice Requires="a14">
           <p:sp>
             <p:nvSpPr>
               <p:cNvPr id="49" name="CaixaDeTexto 48">
@@ -21453,6 +21413,7 @@
               </a:bodyPr>
               <a:lstStyle/>
               <a:p>
+                <a:pPr/>
                 <a14:m>
                   <m:oMathPara xmlns:m="http://schemas.openxmlformats.org/officeDocument/2006/math">
                     <m:oMathParaPr>
@@ -21506,7 +21467,7 @@
             </p:txBody>
           </p:sp>
         </mc:Choice>
-        <mc:Fallback>
+        <mc:Fallback xmlns="">
           <p:sp>
             <p:nvSpPr>
               <p:cNvPr id="49" name="CaixaDeTexto 48">
@@ -21551,8 +21512,8 @@
           </p:sp>
         </mc:Fallback>
       </mc:AlternateContent>
-      <mc:AlternateContent xmlns:mc="http://schemas.openxmlformats.org/markup-compatibility/2006">
-        <mc:Choice xmlns:a14="http://schemas.microsoft.com/office/drawing/2010/main" Requires="a14">
+      <mc:AlternateContent xmlns:mc="http://schemas.openxmlformats.org/markup-compatibility/2006" xmlns:a14="http://schemas.microsoft.com/office/drawing/2010/main">
+        <mc:Choice Requires="a14">
           <p:sp>
             <p:nvSpPr>
               <p:cNvPr id="50" name="CaixaDeTexto 49">
@@ -21581,6 +21542,7 @@
               </a:bodyPr>
               <a:lstStyle/>
               <a:p>
+                <a:pPr/>
                 <a14:m>
                   <m:oMathPara xmlns:m="http://schemas.openxmlformats.org/officeDocument/2006/math">
                     <m:oMathParaPr>
@@ -21634,7 +21596,7 @@
             </p:txBody>
           </p:sp>
         </mc:Choice>
-        <mc:Fallback>
+        <mc:Fallback xmlns="">
           <p:sp>
             <p:nvSpPr>
               <p:cNvPr id="50" name="CaixaDeTexto 49">
@@ -21679,8 +21641,8 @@
           </p:sp>
         </mc:Fallback>
       </mc:AlternateContent>
-      <mc:AlternateContent xmlns:mc="http://schemas.openxmlformats.org/markup-compatibility/2006">
-        <mc:Choice xmlns:a14="http://schemas.microsoft.com/office/drawing/2010/main" Requires="a14">
+      <mc:AlternateContent xmlns:mc="http://schemas.openxmlformats.org/markup-compatibility/2006" xmlns:a14="http://schemas.microsoft.com/office/drawing/2010/main">
+        <mc:Choice Requires="a14">
           <p:sp>
             <p:nvSpPr>
               <p:cNvPr id="51" name="CaixaDeTexto 50">
@@ -21709,6 +21671,7 @@
               </a:bodyPr>
               <a:lstStyle/>
               <a:p>
+                <a:pPr/>
                 <a14:m>
                   <m:oMathPara xmlns:m="http://schemas.openxmlformats.org/officeDocument/2006/math">
                     <m:oMathParaPr>
@@ -21762,7 +21725,7 @@
             </p:txBody>
           </p:sp>
         </mc:Choice>
-        <mc:Fallback>
+        <mc:Fallback xmlns="">
           <p:sp>
             <p:nvSpPr>
               <p:cNvPr id="51" name="CaixaDeTexto 50">
@@ -21807,8 +21770,8 @@
           </p:sp>
         </mc:Fallback>
       </mc:AlternateContent>
-      <mc:AlternateContent xmlns:mc="http://schemas.openxmlformats.org/markup-compatibility/2006">
-        <mc:Choice xmlns:a14="http://schemas.microsoft.com/office/drawing/2010/main" Requires="a14">
+      <mc:AlternateContent xmlns:mc="http://schemas.openxmlformats.org/markup-compatibility/2006" xmlns:a14="http://schemas.microsoft.com/office/drawing/2010/main">
+        <mc:Choice Requires="a14">
           <p:sp>
             <p:nvSpPr>
               <p:cNvPr id="53" name="CaixaDeTexto 52">
@@ -21837,6 +21800,7 @@
               </a:bodyPr>
               <a:lstStyle/>
               <a:p>
+                <a:pPr/>
                 <a14:m>
                   <m:oMathPara xmlns:m="http://schemas.openxmlformats.org/officeDocument/2006/math">
                     <m:oMathParaPr>
@@ -21890,7 +21854,7 @@
             </p:txBody>
           </p:sp>
         </mc:Choice>
-        <mc:Fallback>
+        <mc:Fallback xmlns="">
           <p:sp>
             <p:nvSpPr>
               <p:cNvPr id="53" name="CaixaDeTexto 52">
@@ -21935,8 +21899,8 @@
           </p:sp>
         </mc:Fallback>
       </mc:AlternateContent>
-      <mc:AlternateContent xmlns:mc="http://schemas.openxmlformats.org/markup-compatibility/2006">
-        <mc:Choice xmlns:a14="http://schemas.microsoft.com/office/drawing/2010/main" Requires="a14">
+      <mc:AlternateContent xmlns:mc="http://schemas.openxmlformats.org/markup-compatibility/2006" xmlns:a14="http://schemas.microsoft.com/office/drawing/2010/main">
+        <mc:Choice Requires="a14">
           <p:sp>
             <p:nvSpPr>
               <p:cNvPr id="54" name="CaixaDeTexto 53">
@@ -21965,6 +21929,7 @@
               </a:bodyPr>
               <a:lstStyle/>
               <a:p>
+                <a:pPr/>
                 <a14:m>
                   <m:oMathPara xmlns:m="http://schemas.openxmlformats.org/officeDocument/2006/math">
                     <m:oMathParaPr>
@@ -22018,7 +21983,7 @@
             </p:txBody>
           </p:sp>
         </mc:Choice>
-        <mc:Fallback>
+        <mc:Fallback xmlns="">
           <p:sp>
             <p:nvSpPr>
               <p:cNvPr id="54" name="CaixaDeTexto 53">
@@ -22063,8 +22028,8 @@
           </p:sp>
         </mc:Fallback>
       </mc:AlternateContent>
-      <mc:AlternateContent xmlns:mc="http://schemas.openxmlformats.org/markup-compatibility/2006">
-        <mc:Choice xmlns:a14="http://schemas.microsoft.com/office/drawing/2010/main" Requires="a14">
+      <mc:AlternateContent xmlns:mc="http://schemas.openxmlformats.org/markup-compatibility/2006" xmlns:a14="http://schemas.microsoft.com/office/drawing/2010/main">
+        <mc:Choice Requires="a14">
           <p:sp>
             <p:nvSpPr>
               <p:cNvPr id="55" name="CaixaDeTexto 54">
@@ -22093,6 +22058,7 @@
               </a:bodyPr>
               <a:lstStyle/>
               <a:p>
+                <a:pPr/>
                 <a14:m>
                   <m:oMathPara xmlns:m="http://schemas.openxmlformats.org/officeDocument/2006/math">
                     <m:oMathParaPr>
@@ -22124,7 +22090,7 @@
             </p:txBody>
           </p:sp>
         </mc:Choice>
-        <mc:Fallback>
+        <mc:Fallback xmlns="">
           <p:sp>
             <p:nvSpPr>
               <p:cNvPr id="55" name="CaixaDeTexto 54">
@@ -22169,8 +22135,8 @@
           </p:sp>
         </mc:Fallback>
       </mc:AlternateContent>
-      <mc:AlternateContent xmlns:mc="http://schemas.openxmlformats.org/markup-compatibility/2006">
-        <mc:Choice xmlns:a14="http://schemas.microsoft.com/office/drawing/2010/main" Requires="a14">
+      <mc:AlternateContent xmlns:mc="http://schemas.openxmlformats.org/markup-compatibility/2006" xmlns:a14="http://schemas.microsoft.com/office/drawing/2010/main">
+        <mc:Choice Requires="a14">
           <p:sp>
             <p:nvSpPr>
               <p:cNvPr id="56" name="CaixaDeTexto 55">
@@ -22199,6 +22165,7 @@
               </a:bodyPr>
               <a:lstStyle/>
               <a:p>
+                <a:pPr/>
                 <a14:m>
                   <m:oMathPara xmlns:m="http://schemas.openxmlformats.org/officeDocument/2006/math">
                     <m:oMathParaPr>
@@ -22230,7 +22197,7 @@
             </p:txBody>
           </p:sp>
         </mc:Choice>
-        <mc:Fallback>
+        <mc:Fallback xmlns="">
           <p:sp>
             <p:nvSpPr>
               <p:cNvPr id="56" name="CaixaDeTexto 55">
@@ -22403,8 +22370,8 @@
           </a:p>
         </p:txBody>
       </p:sp>
-      <mc:AlternateContent xmlns:mc="http://schemas.openxmlformats.org/markup-compatibility/2006">
-        <mc:Choice xmlns:a14="http://schemas.microsoft.com/office/drawing/2010/main" Requires="a14">
+      <mc:AlternateContent xmlns:mc="http://schemas.openxmlformats.org/markup-compatibility/2006" xmlns:a14="http://schemas.microsoft.com/office/drawing/2010/main">
+        <mc:Choice Requires="a14">
           <p:sp>
             <p:nvSpPr>
               <p:cNvPr id="6" name="CaixaDeTexto 5">
@@ -22521,7 +22488,7 @@
             </p:txBody>
           </p:sp>
         </mc:Choice>
-        <mc:Fallback>
+        <mc:Fallback xmlns="">
           <p:sp>
             <p:nvSpPr>
               <p:cNvPr id="6" name="CaixaDeTexto 5">
